--- a/#2 - Java Fundamental.pptx
+++ b/#2 - Java Fundamental.pptx
@@ -6565,57 +6565,8 @@
         </p:blipFill>
         <p:spPr>
           <a:xfrm>
-            <a:off x="946820" y="1699868"/>
-            <a:ext cx="1793674" cy="1250187"/>
-          </a:xfrm>
-          <a:prstGeom prst="rect">
-            <a:avLst/>
-          </a:prstGeom>
-        </p:spPr>
-      </p:pic>
-      <p:pic>
-        <p:nvPicPr>
-          <p:cNvPr id="6" name="Picture 5"/>
-          <p:cNvPicPr>
-            <a:picLocks noChangeAspect="1"/>
-          </p:cNvPicPr>
-          <p:nvPr/>
-        </p:nvPicPr>
-        <p:blipFill>
-          <a:blip r:embed="rId2"/>
-          <a:stretch>
-            <a:fillRect/>
-          </a:stretch>
-        </p:blipFill>
-        <p:spPr>
-          <a:xfrm>
-            <a:off x="946820" y="3350590"/>
-            <a:ext cx="3579590" cy="1238250"/>
-          </a:xfrm>
-          <a:prstGeom prst="rect">
-            <a:avLst/>
-          </a:prstGeom>
-        </p:spPr>
-      </p:pic>
-      <p:pic>
-        <p:nvPicPr>
-          <p:cNvPr id="9" name="Picture 8"/>
-          <p:cNvPicPr>
-            <a:picLocks noChangeAspect="1"/>
-          </p:cNvPicPr>
-          <p:nvPr/>
-        </p:nvPicPr>
-        <p:blipFill rotWithShape="1">
-          <a:blip r:embed="rId3"/>
-          <a:srcRect l="13665" t="10285" r="13927" b="12828"/>
-          <a:stretch>
-            <a:fillRect/>
-          </a:stretch>
-        </p:blipFill>
-        <p:spPr>
-          <a:xfrm>
-            <a:off x="4106507" y="1699844"/>
-            <a:ext cx="1389889" cy="1179576"/>
+            <a:off x="3022600" y="2089785"/>
+            <a:ext cx="5654675" cy="3896360"/>
           </a:xfrm>
           <a:prstGeom prst="rect">
             <a:avLst/>
@@ -6631,14 +6582,14 @@
           <p:nvPr/>
         </p:nvPicPr>
         <p:blipFill>
-          <a:blip r:embed="rId4"/>
+          <a:blip r:embed="rId2"/>
           <a:stretch>
             <a:fillRect/>
           </a:stretch>
         </p:blipFill>
         <p:spPr>
           <a:xfrm>
-            <a:off x="7062773" y="1699869"/>
+            <a:off x="947088" y="1930374"/>
             <a:ext cx="1388833" cy="1250187"/>
           </a:xfrm>
           <a:prstGeom prst="rect">
@@ -6655,14 +6606,14 @@
           <p:nvPr/>
         </p:nvPicPr>
         <p:blipFill>
-          <a:blip r:embed="rId5"/>
+          <a:blip r:embed="rId3"/>
           <a:stretch>
             <a:fillRect/>
           </a:stretch>
         </p:blipFill>
         <p:spPr>
           <a:xfrm>
-            <a:off x="7062773" y="3350590"/>
+            <a:off x="947088" y="4878400"/>
             <a:ext cx="1388833" cy="1388833"/>
           </a:xfrm>
           <a:prstGeom prst="rect">
@@ -6959,56 +6910,56 @@
           <a:bodyPr/>
           <a:p>
             <a:r>
-              <a:rPr lang="en-US" altLang="en-GB"/>
+              <a:rPr lang="en-US" altLang="en-GB" sz="2000"/>
               <a:t>Jaman Purba</a:t>
             </a:r>
-            <a:endParaRPr lang="en-US" altLang="en-GB"/>
+            <a:endParaRPr lang="en-US" altLang="en-GB" sz="2000"/>
           </a:p>
           <a:p>
             <a:pPr lvl="1"/>
             <a:r>
-              <a:rPr lang="en-US" altLang="en-GB"/>
+              <a:rPr lang="en-US" altLang="en-GB" sz="2000"/>
               <a:t>int</a:t>
             </a:r>
-            <a:endParaRPr lang="en-US" altLang="en-GB"/>
+            <a:endParaRPr lang="en-US" altLang="en-GB" sz="2000"/>
           </a:p>
           <a:p>
             <a:pPr lvl="1"/>
             <a:r>
-              <a:rPr lang="en-US" altLang="en-GB"/>
+              <a:rPr lang="en-US" altLang="en-GB" sz="2000"/>
               <a:t>boolean</a:t>
             </a:r>
-            <a:endParaRPr lang="en-US" altLang="en-GB"/>
+            <a:endParaRPr lang="en-US" altLang="en-GB" sz="2000"/>
           </a:p>
           <a:p>
             <a:pPr lvl="1"/>
             <a:r>
-              <a:rPr lang="en-US" altLang="en-GB"/>
+              <a:rPr lang="en-US" altLang="en-GB" sz="2000"/>
               <a:t>char</a:t>
             </a:r>
-            <a:endParaRPr lang="en-US" altLang="en-GB"/>
+            <a:endParaRPr lang="en-US" altLang="en-GB" sz="2000"/>
           </a:p>
           <a:p>
             <a:pPr lvl="1"/>
             <a:r>
-              <a:rPr lang="en-US" altLang="en-GB"/>
+              <a:rPr lang="en-US" altLang="en-GB" sz="2000"/>
               <a:t>float</a:t>
             </a:r>
-            <a:endParaRPr lang="en-US" altLang="en-GB"/>
+            <a:endParaRPr lang="en-US" altLang="en-GB" sz="2000"/>
           </a:p>
           <a:p>
             <a:pPr lvl="1"/>
             <a:r>
-              <a:rPr lang="en-US" altLang="en-GB"/>
+              <a:rPr lang="en-US" altLang="en-GB" sz="2000"/>
               <a:t>double</a:t>
             </a:r>
-            <a:endParaRPr lang="en-US" altLang="en-GB"/>
+            <a:endParaRPr lang="en-US" altLang="en-GB" sz="2000"/>
           </a:p>
           <a:p>
             <a:pPr marL="457200" lvl="1" indent="0">
               <a:buNone/>
             </a:pPr>
-            <a:endParaRPr lang="en-US" altLang="en-GB"/>
+            <a:endParaRPr lang="en-US" altLang="en-GB" sz="2000"/>
           </a:p>
         </p:txBody>
       </p:sp>
@@ -7027,66 +6978,66 @@
           <a:bodyPr/>
           <a:p>
             <a:r>
-              <a:rPr lang="en-US" altLang="en-GB"/>
+              <a:rPr lang="en-US" altLang="en-GB" sz="2000"/>
               <a:t>Kekinian Banget....</a:t>
             </a:r>
-            <a:endParaRPr lang="en-US" altLang="en-GB"/>
+            <a:endParaRPr lang="en-US" altLang="en-GB" sz="2000"/>
           </a:p>
           <a:p>
             <a:pPr lvl="1"/>
             <a:r>
-              <a:rPr lang="en-US" altLang="en-GB"/>
+              <a:rPr lang="en-US" altLang="en-GB" sz="2000"/>
               <a:t>Integer</a:t>
             </a:r>
-            <a:endParaRPr lang="en-US" altLang="en-GB"/>
+            <a:endParaRPr lang="en-US" altLang="en-GB" sz="2000"/>
           </a:p>
           <a:p>
             <a:pPr lvl="1"/>
             <a:r>
-              <a:rPr lang="en-US" altLang="en-GB"/>
+              <a:rPr lang="en-US" altLang="en-GB" sz="2000"/>
               <a:t>Boolean</a:t>
             </a:r>
-            <a:endParaRPr lang="en-US" altLang="en-GB"/>
+            <a:endParaRPr lang="en-US" altLang="en-GB" sz="2000"/>
           </a:p>
           <a:p>
             <a:pPr lvl="1"/>
             <a:r>
-              <a:rPr lang="en-US" altLang="en-GB"/>
+              <a:rPr lang="en-US" altLang="en-GB" sz="2000"/>
               <a:t>Character</a:t>
             </a:r>
-            <a:endParaRPr lang="en-US" altLang="en-GB"/>
+            <a:endParaRPr lang="en-US" altLang="en-GB" sz="2000"/>
           </a:p>
           <a:p>
             <a:pPr lvl="1"/>
             <a:r>
-              <a:rPr lang="en-US" altLang="en-GB"/>
+              <a:rPr lang="en-US" altLang="en-GB" sz="2000"/>
               <a:t>String</a:t>
             </a:r>
-            <a:endParaRPr lang="en-US" altLang="en-GB"/>
+            <a:endParaRPr lang="en-US" altLang="en-GB" sz="2000"/>
           </a:p>
           <a:p>
             <a:pPr lvl="1"/>
             <a:r>
-              <a:rPr lang="en-US" altLang="en-GB"/>
+              <a:rPr lang="en-US" altLang="en-GB" sz="2000"/>
               <a:t>Float</a:t>
             </a:r>
-            <a:endParaRPr lang="en-US" altLang="en-GB"/>
+            <a:endParaRPr lang="en-US" altLang="en-GB" sz="2000"/>
           </a:p>
           <a:p>
             <a:pPr lvl="1"/>
             <a:r>
-              <a:rPr lang="en-US" altLang="en-GB"/>
+              <a:rPr lang="en-US" altLang="en-GB" sz="2000"/>
               <a:t>Double</a:t>
             </a:r>
-            <a:endParaRPr lang="en-US" altLang="en-GB"/>
+            <a:endParaRPr lang="en-US" altLang="en-GB" sz="2000"/>
           </a:p>
           <a:p>
             <a:pPr lvl="1"/>
             <a:r>
-              <a:rPr lang="en-US" altLang="en-GB"/>
+              <a:rPr lang="en-US" altLang="en-GB" sz="2000"/>
               <a:t>BigDecimal</a:t>
             </a:r>
-            <a:endParaRPr lang="en-US" altLang="en-GB"/>
+            <a:endParaRPr lang="en-US" altLang="en-GB" sz="2000"/>
           </a:p>
         </p:txBody>
       </p:sp>
